--- a/Data+Presentation.pptx
+++ b/Data+Presentation.pptx
@@ -5,7 +5,7 @@
     <p:sldMasterId id="2147483660" r:id="rId1"/>
   </p:sldMasterIdLst>
   <p:notesMasterIdLst>
-    <p:notesMasterId r:id="rId30"/>
+    <p:notesMasterId r:id="rId31"/>
   </p:notesMasterIdLst>
   <p:sldIdLst>
     <p:sldId id="256" r:id="rId2"/>
@@ -30,12 +30,13 @@
     <p:sldId id="273" r:id="rId21"/>
     <p:sldId id="274" r:id="rId22"/>
     <p:sldId id="275" r:id="rId23"/>
-    <p:sldId id="276" r:id="rId24"/>
-    <p:sldId id="277" r:id="rId25"/>
-    <p:sldId id="278" r:id="rId26"/>
-    <p:sldId id="279" r:id="rId27"/>
-    <p:sldId id="285" r:id="rId28"/>
-    <p:sldId id="283" r:id="rId29"/>
+    <p:sldId id="277" r:id="rId24"/>
+    <p:sldId id="286" r:id="rId25"/>
+    <p:sldId id="276" r:id="rId26"/>
+    <p:sldId id="278" r:id="rId27"/>
+    <p:sldId id="279" r:id="rId28"/>
+    <p:sldId id="285" r:id="rId29"/>
+    <p:sldId id="283" r:id="rId30"/>
   </p:sldIdLst>
   <p:sldSz cx="12192000" cy="6858000"/>
   <p:notesSz cx="6858000" cy="9144000"/>
@@ -4396,7 +4397,7 @@
           <a:p>
             <a:fld id="{1D28644B-A297-2445-A0D5-737770E26C94}" type="datetimeFigureOut">
               <a:rPr lang="en-US" smtClean="0"/>
-              <a:t>6/23/19</a:t>
+              <a:t>6/24/19</a:t>
             </a:fld>
             <a:endParaRPr lang="en-US"/>
           </a:p>
@@ -4812,7 +4813,7 @@
           <a:p>
             <a:fld id="{C7EA949B-0DFC-8643-8711-97CBE77983D2}" type="slidenum">
               <a:rPr lang="en-US" smtClean="0"/>
-              <a:t>27</a:t>
+              <a:t>28</a:t>
             </a:fld>
             <a:endParaRPr lang="en-US"/>
           </a:p>
@@ -5069,7 +5070,7 @@
           <a:p>
             <a:fld id="{ED291B17-9318-49DB-B28B-6E5994AE9581}" type="datetime1">
               <a:rPr lang="en-US" smtClean="0"/>
-              <a:t>6/23/19</a:t>
+              <a:t>6/24/19</a:t>
             </a:fld>
             <a:endParaRPr lang="en-US" dirty="0"/>
           </a:p>
@@ -5251,7 +5252,7 @@
           <a:p>
             <a:fld id="{87DE6118-2437-4B30-8E3C-4D2BE6020583}" type="datetimeFigureOut">
               <a:rPr lang="en-US" dirty="0"/>
-              <a:t>6/23/19</a:t>
+              <a:t>6/24/19</a:t>
             </a:fld>
             <a:endParaRPr lang="en-US" dirty="0"/>
           </a:p>
@@ -5465,7 +5466,7 @@
           <a:p>
             <a:fld id="{ED291B17-9318-49DB-B28B-6E5994AE9581}" type="datetime1">
               <a:rPr lang="en-US" smtClean="0"/>
-              <a:t>6/23/19</a:t>
+              <a:t>6/24/19</a:t>
             </a:fld>
             <a:endParaRPr lang="en-US" dirty="0"/>
           </a:p>
@@ -7313,6 +7314,41 @@
           </a:p>
         </p:txBody>
       </p:sp>
+      <p:sp>
+        <p:nvSpPr>
+          <p:cNvPr id="10" name="TextBox 9">
+            <a:extLst>
+              <a:ext uri="{FF2B5EF4-FFF2-40B4-BE49-F238E27FC236}">
+                <a16:creationId xmlns:a16="http://schemas.microsoft.com/office/drawing/2014/main" id="{6ACB3C68-0E30-AC49-A04E-667AA1C8E7CE}"/>
+              </a:ext>
+            </a:extLst>
+          </p:cNvPr>
+          <p:cNvSpPr txBox="1"/>
+          <p:nvPr/>
+        </p:nvSpPr>
+        <p:spPr>
+          <a:xfrm>
+            <a:off x="5672384" y="540732"/>
+            <a:ext cx="2924503" cy="369332"/>
+          </a:xfrm>
+          <a:prstGeom prst="rect">
+            <a:avLst/>
+          </a:prstGeom>
+          <a:noFill/>
+        </p:spPr>
+        <p:txBody>
+          <a:bodyPr wrap="square" rtlCol="0">
+            <a:spAutoFit/>
+          </a:bodyPr>
+          <a:lstStyle/>
+          <a:p>
+            <a:r>
+              <a:rPr lang="en-US" dirty="0"/>
+              <a:t>Attack Signature</a:t>
+            </a:r>
+          </a:p>
+        </p:txBody>
+      </p:sp>
     </p:spTree>
     <p:extLst>
       <p:ext uri="{BB962C8B-B14F-4D97-AF65-F5344CB8AC3E}">
@@ -8572,6 +8608,41 @@
               <a:t>wlahh</a:t>
             </a:r>
             <a:endParaRPr lang="en-US" sz="1200" dirty="0"/>
+          </a:p>
+        </p:txBody>
+      </p:sp>
+      <p:sp>
+        <p:nvSpPr>
+          <p:cNvPr id="22" name="TextBox 21">
+            <a:extLst>
+              <a:ext uri="{FF2B5EF4-FFF2-40B4-BE49-F238E27FC236}">
+                <a16:creationId xmlns:a16="http://schemas.microsoft.com/office/drawing/2014/main" id="{45D5F446-DBCD-BC44-AB39-1C6164A11732}"/>
+              </a:ext>
+            </a:extLst>
+          </p:cNvPr>
+          <p:cNvSpPr txBox="1"/>
+          <p:nvPr/>
+        </p:nvSpPr>
+        <p:spPr>
+          <a:xfrm>
+            <a:off x="5041232" y="926432"/>
+            <a:ext cx="2634915" cy="369332"/>
+          </a:xfrm>
+          <a:prstGeom prst="rect">
+            <a:avLst/>
+          </a:prstGeom>
+          <a:noFill/>
+        </p:spPr>
+        <p:txBody>
+          <a:bodyPr wrap="square" rtlCol="0">
+            <a:spAutoFit/>
+          </a:bodyPr>
+          <a:lstStyle/>
+          <a:p>
+            <a:r>
+              <a:rPr lang="en-US" dirty="0"/>
+              <a:t>SSH username attempted</a:t>
+            </a:r>
           </a:p>
         </p:txBody>
       </p:sp>
@@ -13121,8 +13192,8 @@
         </p:blipFill>
         <p:spPr>
           <a:xfrm>
-            <a:off x="1510550" y="480515"/>
-            <a:ext cx="9170898" cy="5892302"/>
+            <a:off x="1438835" y="480515"/>
+            <a:ext cx="9242613" cy="5892302"/>
           </a:xfrm>
           <a:prstGeom prst="rect">
             <a:avLst/>
@@ -13132,7 +13203,7 @@
     </p:spTree>
     <p:extLst>
       <p:ext uri="{BB962C8B-B14F-4D97-AF65-F5344CB8AC3E}">
-        <p14:creationId xmlns:p14="http://schemas.microsoft.com/office/powerpoint/2010/main" val="1263075075"/>
+        <p14:creationId xmlns:p14="http://schemas.microsoft.com/office/powerpoint/2010/main" val="761712905"/>
       </p:ext>
     </p:extLst>
   </p:cSld>
@@ -13148,7 +13219,7 @@
     <p:bg>
       <p:bgPr>
         <a:solidFill>
-          <a:schemeClr val="bg2"/>
+          <a:schemeClr val="bg1"/>
         </a:solidFill>
         <a:effectLst/>
       </p:bgPr>
@@ -13169,10 +13240,10 @@
       </p:grpSpPr>
       <p:sp>
         <p:nvSpPr>
-          <p:cNvPr id="9" name="Rectangle 8">
+          <p:cNvPr id="26" name="Rectangle 25">
             <a:extLst>
               <a:ext uri="{FF2B5EF4-FFF2-40B4-BE49-F238E27FC236}">
-                <a16:creationId xmlns:a16="http://schemas.microsoft.com/office/drawing/2014/main" id="{AA6EC888-B85F-410F-B430-06583E94BEEC}"/>
+                <a16:creationId xmlns:a16="http://schemas.microsoft.com/office/drawing/2014/main" id="{1DDC3EF6-2EA5-44B3-94C7-9DDA67A127D0}"/>
               </a:ext>
               <a:ext uri="{C183D7F6-B498-43B3-948B-1728B52AA6E4}">
                 <adec:decorative xmlns:adec="http://schemas.microsoft.com/office/drawing/2017/decorative" val="1"/>
@@ -13192,29 +13263,28 @@
         </p:nvSpPr>
         <p:spPr>
           <a:xfrm>
-            <a:off x="478095" y="376"/>
-            <a:ext cx="228600" cy="6858000"/>
+            <a:off x="446534" y="457200"/>
+            <a:ext cx="3703320" cy="94997"/>
           </a:xfrm>
           <a:prstGeom prst="rect">
             <a:avLst/>
           </a:prstGeom>
           <a:solidFill>
-            <a:schemeClr val="tx2"/>
+            <a:srgbClr val="465359"/>
           </a:solidFill>
           <a:ln>
             <a:noFill/>
           </a:ln>
+          <a:effectLst/>
         </p:spPr>
         <p:style>
-          <a:lnRef idx="2">
-            <a:schemeClr val="accent1">
-              <a:shade val="50000"/>
-            </a:schemeClr>
+          <a:lnRef idx="1">
+            <a:schemeClr val="accent1"/>
           </a:lnRef>
-          <a:fillRef idx="1">
+          <a:fillRef idx="3">
             <a:schemeClr val="accent1"/>
           </a:fillRef>
-          <a:effectRef idx="0">
+          <a:effectRef idx="2">
             <a:schemeClr val="accent1"/>
           </a:effectRef>
           <a:fontRef idx="minor">
@@ -13224,10 +13294,10 @@
       </p:sp>
       <p:sp>
         <p:nvSpPr>
-          <p:cNvPr id="11" name="Rectangle 10">
+          <p:cNvPr id="28" name="Rectangle 27">
             <a:extLst>
               <a:ext uri="{FF2B5EF4-FFF2-40B4-BE49-F238E27FC236}">
-                <a16:creationId xmlns:a16="http://schemas.microsoft.com/office/drawing/2014/main" id="{9485DA84-CB73-4E5E-9864-2460CE28055D}"/>
+                <a16:creationId xmlns:a16="http://schemas.microsoft.com/office/drawing/2014/main" id="{87925A9A-E9FA-496E-9C09-7C2845E0062B}"/>
               </a:ext>
               <a:ext uri="{C183D7F6-B498-43B3-948B-1728B52AA6E4}">
                 <adec:decorative xmlns:adec="http://schemas.microsoft.com/office/drawing/2017/decorative" val="1"/>
@@ -13247,50 +13317,41 @@
         </p:nvSpPr>
         <p:spPr>
           <a:xfrm>
-            <a:off x="0" y="0"/>
-            <a:ext cx="12192000" cy="6858000"/>
+            <a:off x="8042147" y="453643"/>
+            <a:ext cx="3703320" cy="98554"/>
           </a:xfrm>
           <a:prstGeom prst="rect">
             <a:avLst/>
           </a:prstGeom>
           <a:solidFill>
-            <a:schemeClr val="bg2"/>
+            <a:srgbClr val="969FA7"/>
           </a:solidFill>
           <a:ln>
             <a:noFill/>
           </a:ln>
+          <a:effectLst/>
         </p:spPr>
         <p:style>
-          <a:lnRef idx="2">
-            <a:schemeClr val="accent1">
-              <a:shade val="50000"/>
-            </a:schemeClr>
+          <a:lnRef idx="1">
+            <a:schemeClr val="accent1"/>
           </a:lnRef>
-          <a:fillRef idx="1">
+          <a:fillRef idx="3">
             <a:schemeClr val="accent1"/>
           </a:fillRef>
-          <a:effectRef idx="0">
+          <a:effectRef idx="2">
             <a:schemeClr val="accent1"/>
           </a:effectRef>
           <a:fontRef idx="minor">
             <a:schemeClr val="lt1"/>
           </a:fontRef>
         </p:style>
-        <p:txBody>
-          <a:bodyPr rtlCol="0" anchor="ctr"/>
-          <a:lstStyle/>
-          <a:p>
-            <a:pPr algn="ctr"/>
-            <a:endParaRPr lang="en-US"/>
-          </a:p>
-        </p:txBody>
-      </p:sp>
-      <p:sp>
-        <p:nvSpPr>
-          <p:cNvPr id="13" name="Rectangle 12">
+      </p:sp>
+      <p:sp>
+        <p:nvSpPr>
+          <p:cNvPr id="30" name="Rectangle 29">
             <a:extLst>
               <a:ext uri="{FF2B5EF4-FFF2-40B4-BE49-F238E27FC236}">
-                <a16:creationId xmlns:a16="http://schemas.microsoft.com/office/drawing/2014/main" id="{7D49185E-361A-421B-8F2D-11C7FFC686F0}"/>
+                <a16:creationId xmlns:a16="http://schemas.microsoft.com/office/drawing/2014/main" id="{2073ABB4-E164-4CBF-ADFF-25552BB7913B}"/>
               </a:ext>
               <a:ext uri="{C183D7F6-B498-43B3-948B-1728B52AA6E4}">
                 <adec:decorative xmlns:adec="http://schemas.microsoft.com/office/drawing/2017/decorative" val="1"/>
@@ -13310,50 +13371,41 @@
         </p:nvSpPr>
         <p:spPr>
           <a:xfrm>
-            <a:off x="0" y="0"/>
-            <a:ext cx="365760" cy="365760"/>
+            <a:off x="4241830" y="457200"/>
+            <a:ext cx="3703320" cy="91440"/>
           </a:xfrm>
           <a:prstGeom prst="rect">
             <a:avLst/>
           </a:prstGeom>
           <a:solidFill>
-            <a:schemeClr val="tx1"/>
+            <a:schemeClr val="accent1"/>
           </a:solidFill>
           <a:ln>
             <a:noFill/>
           </a:ln>
+          <a:effectLst/>
         </p:spPr>
         <p:style>
-          <a:lnRef idx="2">
-            <a:schemeClr val="accent1">
-              <a:shade val="50000"/>
-            </a:schemeClr>
+          <a:lnRef idx="1">
+            <a:schemeClr val="accent1"/>
           </a:lnRef>
-          <a:fillRef idx="1">
+          <a:fillRef idx="3">
             <a:schemeClr val="accent1"/>
           </a:fillRef>
-          <a:effectRef idx="0">
+          <a:effectRef idx="2">
             <a:schemeClr val="accent1"/>
           </a:effectRef>
           <a:fontRef idx="minor">
             <a:schemeClr val="lt1"/>
           </a:fontRef>
         </p:style>
-        <p:txBody>
-          <a:bodyPr rtlCol="0" anchor="ctr"/>
-          <a:lstStyle/>
-          <a:p>
-            <a:pPr algn="ctr"/>
-            <a:endParaRPr lang="en-US"/>
-          </a:p>
-        </p:txBody>
-      </p:sp>
-      <p:sp>
-        <p:nvSpPr>
-          <p:cNvPr id="15" name="Rectangle 14">
+      </p:sp>
+      <p:sp>
+        <p:nvSpPr>
+          <p:cNvPr id="32" name="Rectangle 31">
             <a:extLst>
               <a:ext uri="{FF2B5EF4-FFF2-40B4-BE49-F238E27FC236}">
-                <a16:creationId xmlns:a16="http://schemas.microsoft.com/office/drawing/2014/main" id="{14B85BAA-C37F-44B4-B427-B4F10EBB4183}"/>
+                <a16:creationId xmlns:a16="http://schemas.microsoft.com/office/drawing/2014/main" id="{587D26DA-9773-4A0E-B213-DDF20A1F1F27}"/>
               </a:ext>
               <a:ext uri="{C183D7F6-B498-43B3-948B-1728B52AA6E4}">
                 <adec:decorative xmlns:adec="http://schemas.microsoft.com/office/drawing/2017/decorative" val="1"/>
@@ -13373,14 +13425,14 @@
         </p:nvSpPr>
         <p:spPr>
           <a:xfrm>
-            <a:off x="11826240" y="-4668"/>
-            <a:ext cx="365760" cy="365760"/>
+            <a:off x="0" y="0"/>
+            <a:ext cx="12192000" cy="6858000"/>
           </a:xfrm>
           <a:prstGeom prst="rect">
             <a:avLst/>
           </a:prstGeom>
           <a:solidFill>
-            <a:schemeClr val="tx1"/>
+            <a:srgbClr val="FFFFFF"/>
           </a:solidFill>
           <a:ln>
             <a:noFill/>
@@ -13411,198 +13463,15 @@
           </a:p>
         </p:txBody>
       </p:sp>
-      <p:sp>
-        <p:nvSpPr>
-          <p:cNvPr id="17" name="Rectangle 16">
+      <p:pic>
+        <p:nvPicPr>
+          <p:cNvPr id="6" name="Content Placeholder 5" descr="A close up of text on a white background&#10;&#10;Description automatically generated">
             <a:extLst>
               <a:ext uri="{FF2B5EF4-FFF2-40B4-BE49-F238E27FC236}">
-                <a16:creationId xmlns:a16="http://schemas.microsoft.com/office/drawing/2014/main" id="{EDC4EE06-D7B4-4FAC-A561-38A1C380232A}"/>
-              </a:ext>
-              <a:ext uri="{C183D7F6-B498-43B3-948B-1728B52AA6E4}">
-                <adec:decorative xmlns:adec="http://schemas.microsoft.com/office/drawing/2017/decorative" val="1"/>
+                <a16:creationId xmlns:a16="http://schemas.microsoft.com/office/drawing/2014/main" id="{C6D04E05-D586-2242-816B-AAC3B525F7A1}"/>
               </a:ext>
             </a:extLst>
           </p:cNvPr>
-          <p:cNvSpPr>
-            <a:spLocks noGrp="1" noRot="1" noChangeAspect="1" noMove="1" noResize="1" noEditPoints="1" noAdjustHandles="1" noChangeArrowheads="1" noChangeShapeType="1" noTextEdit="1"/>
-          </p:cNvSpPr>
-          <p:nvPr>
-            <p:extLst>
-              <p:ext uri="{386F3935-93C4-4BCD-93E2-E3B085C9AB24}">
-                <p16:designElem xmlns:p16="http://schemas.microsoft.com/office/powerpoint/2015/main" val="1"/>
-              </p:ext>
-            </p:extLst>
-          </p:nvPr>
-        </p:nvSpPr>
-        <p:spPr>
-          <a:xfrm>
-            <a:off x="0" y="6494325"/>
-            <a:ext cx="365760" cy="365760"/>
-          </a:xfrm>
-          <a:prstGeom prst="rect">
-            <a:avLst/>
-          </a:prstGeom>
-          <a:solidFill>
-            <a:schemeClr val="tx1"/>
-          </a:solidFill>
-          <a:ln>
-            <a:noFill/>
-          </a:ln>
-        </p:spPr>
-        <p:style>
-          <a:lnRef idx="2">
-            <a:schemeClr val="accent1">
-              <a:shade val="50000"/>
-            </a:schemeClr>
-          </a:lnRef>
-          <a:fillRef idx="1">
-            <a:schemeClr val="accent1"/>
-          </a:fillRef>
-          <a:effectRef idx="0">
-            <a:schemeClr val="accent1"/>
-          </a:effectRef>
-          <a:fontRef idx="minor">
-            <a:schemeClr val="lt1"/>
-          </a:fontRef>
-        </p:style>
-        <p:txBody>
-          <a:bodyPr rtlCol="0" anchor="ctr"/>
-          <a:lstStyle/>
-          <a:p>
-            <a:pPr algn="ctr"/>
-            <a:endParaRPr lang="en-US"/>
-          </a:p>
-        </p:txBody>
-      </p:sp>
-      <p:sp>
-        <p:nvSpPr>
-          <p:cNvPr id="19" name="Rectangle 18">
-            <a:extLst>
-              <a:ext uri="{FF2B5EF4-FFF2-40B4-BE49-F238E27FC236}">
-                <a16:creationId xmlns:a16="http://schemas.microsoft.com/office/drawing/2014/main" id="{9018D83B-903C-4782-B1BB-A45164A71F60}"/>
-              </a:ext>
-              <a:ext uri="{C183D7F6-B498-43B3-948B-1728B52AA6E4}">
-                <adec:decorative xmlns:adec="http://schemas.microsoft.com/office/drawing/2017/decorative" val="1"/>
-              </a:ext>
-            </a:extLst>
-          </p:cNvPr>
-          <p:cNvSpPr>
-            <a:spLocks noGrp="1" noRot="1" noChangeAspect="1" noMove="1" noResize="1" noEditPoints="1" noAdjustHandles="1" noChangeArrowheads="1" noChangeShapeType="1" noTextEdit="1"/>
-          </p:cNvSpPr>
-          <p:nvPr>
-            <p:extLst>
-              <p:ext uri="{386F3935-93C4-4BCD-93E2-E3B085C9AB24}">
-                <p16:designElem xmlns:p16="http://schemas.microsoft.com/office/powerpoint/2015/main" val="1"/>
-              </p:ext>
-            </p:extLst>
-          </p:nvPr>
-        </p:nvSpPr>
-        <p:spPr>
-          <a:xfrm>
-            <a:off x="11826240" y="6494325"/>
-            <a:ext cx="365760" cy="365760"/>
-          </a:xfrm>
-          <a:prstGeom prst="rect">
-            <a:avLst/>
-          </a:prstGeom>
-          <a:solidFill>
-            <a:schemeClr val="tx1"/>
-          </a:solidFill>
-          <a:ln>
-            <a:noFill/>
-          </a:ln>
-        </p:spPr>
-        <p:style>
-          <a:lnRef idx="2">
-            <a:schemeClr val="accent1">
-              <a:shade val="50000"/>
-            </a:schemeClr>
-          </a:lnRef>
-          <a:fillRef idx="1">
-            <a:schemeClr val="accent1"/>
-          </a:fillRef>
-          <a:effectRef idx="0">
-            <a:schemeClr val="accent1"/>
-          </a:effectRef>
-          <a:fontRef idx="minor">
-            <a:schemeClr val="lt1"/>
-          </a:fontRef>
-        </p:style>
-        <p:txBody>
-          <a:bodyPr rtlCol="0" anchor="ctr"/>
-          <a:lstStyle/>
-          <a:p>
-            <a:pPr algn="ctr"/>
-            <a:endParaRPr lang="en-US"/>
-          </a:p>
-        </p:txBody>
-      </p:sp>
-      <p:sp>
-        <p:nvSpPr>
-          <p:cNvPr id="21" name="Rectangle 20">
-            <a:extLst>
-              <a:ext uri="{FF2B5EF4-FFF2-40B4-BE49-F238E27FC236}">
-                <a16:creationId xmlns:a16="http://schemas.microsoft.com/office/drawing/2014/main" id="{8785589A-A5AC-409A-B2A2-24D871B4CEF0}"/>
-              </a:ext>
-              <a:ext uri="{C183D7F6-B498-43B3-948B-1728B52AA6E4}">
-                <adec:decorative xmlns:adec="http://schemas.microsoft.com/office/drawing/2017/decorative" val="1"/>
-              </a:ext>
-            </a:extLst>
-          </p:cNvPr>
-          <p:cNvSpPr>
-            <a:spLocks noGrp="1" noRot="1" noChangeAspect="1" noMove="1" noResize="1" noEditPoints="1" noAdjustHandles="1" noChangeArrowheads="1" noChangeShapeType="1" noTextEdit="1"/>
-          </p:cNvSpPr>
-          <p:nvPr>
-            <p:extLst>
-              <p:ext uri="{386F3935-93C4-4BCD-93E2-E3B085C9AB24}">
-                <p16:designElem xmlns:p16="http://schemas.microsoft.com/office/powerpoint/2015/main" val="1"/>
-              </p:ext>
-            </p:extLst>
-          </p:nvPr>
-        </p:nvSpPr>
-        <p:spPr>
-          <a:xfrm>
-            <a:off x="160867" y="158782"/>
-            <a:ext cx="11870265" cy="6537850"/>
-          </a:xfrm>
-          <a:prstGeom prst="rect">
-            <a:avLst/>
-          </a:prstGeom>
-          <a:solidFill>
-            <a:srgbClr val="FFFFFF"/>
-          </a:solidFill>
-          <a:ln>
-            <a:noFill/>
-          </a:ln>
-        </p:spPr>
-        <p:style>
-          <a:lnRef idx="2">
-            <a:schemeClr val="accent1">
-              <a:shade val="50000"/>
-            </a:schemeClr>
-          </a:lnRef>
-          <a:fillRef idx="1">
-            <a:schemeClr val="accent1"/>
-          </a:fillRef>
-          <a:effectRef idx="0">
-            <a:schemeClr val="accent1"/>
-          </a:effectRef>
-          <a:fontRef idx="minor">
-            <a:schemeClr val="lt1"/>
-          </a:fontRef>
-        </p:style>
-        <p:txBody>
-          <a:bodyPr rtlCol="0" anchor="ctr"/>
-          <a:lstStyle/>
-          <a:p>
-            <a:pPr algn="ctr"/>
-            <a:endParaRPr lang="en-US"/>
-          </a:p>
-        </p:txBody>
-      </p:sp>
-      <p:pic>
-        <p:nvPicPr>
-          <p:cNvPr id="4" name="Content Placeholder 3"/>
           <p:cNvPicPr>
             <a:picLocks noGrp="1" noChangeAspect="1"/>
           </p:cNvPicPr>
@@ -13610,22 +13479,15 @@
             <p:ph idx="1"/>
           </p:nvPr>
         </p:nvPicPr>
-        <p:blipFill>
-          <a:blip r:embed="rId2">
-            <a:extLst>
-              <a:ext uri="{28A0092B-C50C-407E-A947-70E740481C1C}">
-                <a14:useLocalDpi xmlns:a14="http://schemas.microsoft.com/office/drawing/2010/main" val="0"/>
-              </a:ext>
-            </a:extLst>
-          </a:blip>
-          <a:stretch>
-            <a:fillRect/>
-          </a:stretch>
+        <p:blipFill rotWithShape="1">
+          <a:blip r:embed="rId2"/>
+          <a:srcRect l="-164" t="2097" r="646" b="768"/>
+          <a:stretch/>
         </p:blipFill>
         <p:spPr>
           <a:xfrm>
-            <a:off x="1438835" y="480515"/>
-            <a:ext cx="9242613" cy="5892302"/>
+            <a:off x="625643" y="830178"/>
+            <a:ext cx="10852484" cy="5269833"/>
           </a:xfrm>
           <a:prstGeom prst="rect">
             <a:avLst/>
@@ -13635,7 +13497,7 @@
     </p:spTree>
     <p:extLst>
       <p:ext uri="{BB962C8B-B14F-4D97-AF65-F5344CB8AC3E}">
-        <p14:creationId xmlns:p14="http://schemas.microsoft.com/office/powerpoint/2010/main" val="761712905"/>
+        <p14:creationId xmlns:p14="http://schemas.microsoft.com/office/powerpoint/2010/main" val="3319177681"/>
       </p:ext>
     </p:extLst>
   </p:cSld>
@@ -14138,7 +14000,7 @@
     </p:spTree>
     <p:extLst>
       <p:ext uri="{BB962C8B-B14F-4D97-AF65-F5344CB8AC3E}">
-        <p14:creationId xmlns:p14="http://schemas.microsoft.com/office/powerpoint/2010/main" val="3604934645"/>
+        <p14:creationId xmlns:p14="http://schemas.microsoft.com/office/powerpoint/2010/main" val="1263075075"/>
       </p:ext>
     </p:extLst>
   </p:cSld>
@@ -14151,6 +14013,14 @@
 <file path=ppt/slides/slide26.xml><?xml version="1.0" encoding="utf-8"?>
 <p:sld xmlns:a="http://schemas.openxmlformats.org/drawingml/2006/main" xmlns:r="http://schemas.openxmlformats.org/officeDocument/2006/relationships" xmlns:p="http://schemas.openxmlformats.org/presentationml/2006/main">
   <p:cSld>
+    <p:bg>
+      <p:bgPr>
+        <a:solidFill>
+          <a:schemeClr val="bg2"/>
+        </a:solidFill>
+        <a:effectLst/>
+      </p:bgPr>
+    </p:bg>
     <p:spTree>
       <p:nvGrpSpPr>
         <p:cNvPr id="1" name=""/>
@@ -14167,65 +14037,446 @@
       </p:grpSpPr>
       <p:sp>
         <p:nvSpPr>
-          <p:cNvPr id="2" name="Title 1"/>
+          <p:cNvPr id="9" name="Rectangle 8">
+            <a:extLst>
+              <a:ext uri="{FF2B5EF4-FFF2-40B4-BE49-F238E27FC236}">
+                <a16:creationId xmlns:a16="http://schemas.microsoft.com/office/drawing/2014/main" id="{AA6EC888-B85F-410F-B430-06583E94BEEC}"/>
+              </a:ext>
+              <a:ext uri="{C183D7F6-B498-43B3-948B-1728B52AA6E4}">
+                <adec:decorative xmlns:adec="http://schemas.microsoft.com/office/drawing/2017/decorative" val="1"/>
+              </a:ext>
+            </a:extLst>
+          </p:cNvPr>
           <p:cNvSpPr>
-            <a:spLocks noGrp="1"/>
+            <a:spLocks noGrp="1" noRot="1" noChangeAspect="1" noMove="1" noResize="1" noEditPoints="1" noAdjustHandles="1" noChangeArrowheads="1" noChangeShapeType="1" noTextEdit="1"/>
           </p:cNvSpPr>
           <p:nvPr>
-            <p:ph type="title"/>
+            <p:extLst>
+              <p:ext uri="{386F3935-93C4-4BCD-93E2-E3B085C9AB24}">
+                <p16:designElem xmlns:p16="http://schemas.microsoft.com/office/powerpoint/2015/main" val="1"/>
+              </p:ext>
+            </p:extLst>
           </p:nvPr>
         </p:nvSpPr>
         <p:spPr>
           <a:xfrm>
-            <a:off x="1574800" y="474133"/>
-            <a:ext cx="9279467" cy="1054100"/>
-          </a:xfrm>
-        </p:spPr>
+            <a:off x="478095" y="376"/>
+            <a:ext cx="228600" cy="6858000"/>
+          </a:xfrm>
+          <a:prstGeom prst="rect">
+            <a:avLst/>
+          </a:prstGeom>
+          <a:solidFill>
+            <a:schemeClr val="tx2"/>
+          </a:solidFill>
+          <a:ln>
+            <a:noFill/>
+          </a:ln>
+        </p:spPr>
+        <p:style>
+          <a:lnRef idx="2">
+            <a:schemeClr val="accent1">
+              <a:shade val="50000"/>
+            </a:schemeClr>
+          </a:lnRef>
+          <a:fillRef idx="1">
+            <a:schemeClr val="accent1"/>
+          </a:fillRef>
+          <a:effectRef idx="0">
+            <a:schemeClr val="accent1"/>
+          </a:effectRef>
+          <a:fontRef idx="minor">
+            <a:schemeClr val="lt1"/>
+          </a:fontRef>
+        </p:style>
+      </p:sp>
+      <p:sp>
+        <p:nvSpPr>
+          <p:cNvPr id="11" name="Rectangle 10">
+            <a:extLst>
+              <a:ext uri="{FF2B5EF4-FFF2-40B4-BE49-F238E27FC236}">
+                <a16:creationId xmlns:a16="http://schemas.microsoft.com/office/drawing/2014/main" id="{9485DA84-CB73-4E5E-9864-2460CE28055D}"/>
+              </a:ext>
+              <a:ext uri="{C183D7F6-B498-43B3-948B-1728B52AA6E4}">
+                <adec:decorative xmlns:adec="http://schemas.microsoft.com/office/drawing/2017/decorative" val="1"/>
+              </a:ext>
+            </a:extLst>
+          </p:cNvPr>
+          <p:cNvSpPr>
+            <a:spLocks noGrp="1" noRot="1" noChangeAspect="1" noMove="1" noResize="1" noEditPoints="1" noAdjustHandles="1" noChangeArrowheads="1" noChangeShapeType="1" noTextEdit="1"/>
+          </p:cNvSpPr>
+          <p:nvPr>
+            <p:extLst>
+              <p:ext uri="{386F3935-93C4-4BCD-93E2-E3B085C9AB24}">
+                <p16:designElem xmlns:p16="http://schemas.microsoft.com/office/powerpoint/2015/main" val="1"/>
+              </p:ext>
+            </p:extLst>
+          </p:nvPr>
+        </p:nvSpPr>
+        <p:spPr>
+          <a:xfrm>
+            <a:off x="0" y="0"/>
+            <a:ext cx="12192000" cy="6858000"/>
+          </a:xfrm>
+          <a:prstGeom prst="rect">
+            <a:avLst/>
+          </a:prstGeom>
+          <a:solidFill>
+            <a:schemeClr val="bg2"/>
+          </a:solidFill>
+          <a:ln>
+            <a:noFill/>
+          </a:ln>
+        </p:spPr>
+        <p:style>
+          <a:lnRef idx="2">
+            <a:schemeClr val="accent1">
+              <a:shade val="50000"/>
+            </a:schemeClr>
+          </a:lnRef>
+          <a:fillRef idx="1">
+            <a:schemeClr val="accent1"/>
+          </a:fillRef>
+          <a:effectRef idx="0">
+            <a:schemeClr val="accent1"/>
+          </a:effectRef>
+          <a:fontRef idx="minor">
+            <a:schemeClr val="lt1"/>
+          </a:fontRef>
+        </p:style>
         <p:txBody>
-          <a:bodyPr/>
+          <a:bodyPr rtlCol="0" anchor="ctr"/>
           <a:lstStyle/>
           <a:p>
-            <a:r>
-              <a:rPr lang="en-US" dirty="0"/>
-              <a:t>                     Modelling Attempt</a:t>
-            </a:r>
+            <a:pPr algn="ctr"/>
+            <a:endParaRPr lang="en-US"/>
           </a:p>
         </p:txBody>
       </p:sp>
       <p:sp>
         <p:nvSpPr>
-          <p:cNvPr id="3" name="Content Placeholder 2"/>
+          <p:cNvPr id="13" name="Rectangle 12">
+            <a:extLst>
+              <a:ext uri="{FF2B5EF4-FFF2-40B4-BE49-F238E27FC236}">
+                <a16:creationId xmlns:a16="http://schemas.microsoft.com/office/drawing/2014/main" id="{7D49185E-361A-421B-8F2D-11C7FFC686F0}"/>
+              </a:ext>
+              <a:ext uri="{C183D7F6-B498-43B3-948B-1728B52AA6E4}">
+                <adec:decorative xmlns:adec="http://schemas.microsoft.com/office/drawing/2017/decorative" val="1"/>
+              </a:ext>
+            </a:extLst>
+          </p:cNvPr>
           <p:cNvSpPr>
-            <a:spLocks noGrp="1"/>
+            <a:spLocks noGrp="1" noRot="1" noChangeAspect="1" noMove="1" noResize="1" noEditPoints="1" noAdjustHandles="1" noChangeArrowheads="1" noChangeShapeType="1" noTextEdit="1"/>
           </p:cNvSpPr>
+          <p:nvPr>
+            <p:extLst>
+              <p:ext uri="{386F3935-93C4-4BCD-93E2-E3B085C9AB24}">
+                <p16:designElem xmlns:p16="http://schemas.microsoft.com/office/powerpoint/2015/main" val="1"/>
+              </p:ext>
+            </p:extLst>
+          </p:nvPr>
+        </p:nvSpPr>
+        <p:spPr>
+          <a:xfrm>
+            <a:off x="0" y="0"/>
+            <a:ext cx="365760" cy="365760"/>
+          </a:xfrm>
+          <a:prstGeom prst="rect">
+            <a:avLst/>
+          </a:prstGeom>
+          <a:solidFill>
+            <a:schemeClr val="tx1"/>
+          </a:solidFill>
+          <a:ln>
+            <a:noFill/>
+          </a:ln>
+        </p:spPr>
+        <p:style>
+          <a:lnRef idx="2">
+            <a:schemeClr val="accent1">
+              <a:shade val="50000"/>
+            </a:schemeClr>
+          </a:lnRef>
+          <a:fillRef idx="1">
+            <a:schemeClr val="accent1"/>
+          </a:fillRef>
+          <a:effectRef idx="0">
+            <a:schemeClr val="accent1"/>
+          </a:effectRef>
+          <a:fontRef idx="minor">
+            <a:schemeClr val="lt1"/>
+          </a:fontRef>
+        </p:style>
+        <p:txBody>
+          <a:bodyPr rtlCol="0" anchor="ctr"/>
+          <a:lstStyle/>
+          <a:p>
+            <a:pPr algn="ctr"/>
+            <a:endParaRPr lang="en-US"/>
+          </a:p>
+        </p:txBody>
+      </p:sp>
+      <p:sp>
+        <p:nvSpPr>
+          <p:cNvPr id="15" name="Rectangle 14">
+            <a:extLst>
+              <a:ext uri="{FF2B5EF4-FFF2-40B4-BE49-F238E27FC236}">
+                <a16:creationId xmlns:a16="http://schemas.microsoft.com/office/drawing/2014/main" id="{14B85BAA-C37F-44B4-B427-B4F10EBB4183}"/>
+              </a:ext>
+              <a:ext uri="{C183D7F6-B498-43B3-948B-1728B52AA6E4}">
+                <adec:decorative xmlns:adec="http://schemas.microsoft.com/office/drawing/2017/decorative" val="1"/>
+              </a:ext>
+            </a:extLst>
+          </p:cNvPr>
+          <p:cNvSpPr>
+            <a:spLocks noGrp="1" noRot="1" noChangeAspect="1" noMove="1" noResize="1" noEditPoints="1" noAdjustHandles="1" noChangeArrowheads="1" noChangeShapeType="1" noTextEdit="1"/>
+          </p:cNvSpPr>
+          <p:nvPr>
+            <p:extLst>
+              <p:ext uri="{386F3935-93C4-4BCD-93E2-E3B085C9AB24}">
+                <p16:designElem xmlns:p16="http://schemas.microsoft.com/office/powerpoint/2015/main" val="1"/>
+              </p:ext>
+            </p:extLst>
+          </p:nvPr>
+        </p:nvSpPr>
+        <p:spPr>
+          <a:xfrm>
+            <a:off x="11826240" y="-4668"/>
+            <a:ext cx="365760" cy="365760"/>
+          </a:xfrm>
+          <a:prstGeom prst="rect">
+            <a:avLst/>
+          </a:prstGeom>
+          <a:solidFill>
+            <a:schemeClr val="tx1"/>
+          </a:solidFill>
+          <a:ln>
+            <a:noFill/>
+          </a:ln>
+        </p:spPr>
+        <p:style>
+          <a:lnRef idx="2">
+            <a:schemeClr val="accent1">
+              <a:shade val="50000"/>
+            </a:schemeClr>
+          </a:lnRef>
+          <a:fillRef idx="1">
+            <a:schemeClr val="accent1"/>
+          </a:fillRef>
+          <a:effectRef idx="0">
+            <a:schemeClr val="accent1"/>
+          </a:effectRef>
+          <a:fontRef idx="minor">
+            <a:schemeClr val="lt1"/>
+          </a:fontRef>
+        </p:style>
+        <p:txBody>
+          <a:bodyPr rtlCol="0" anchor="ctr"/>
+          <a:lstStyle/>
+          <a:p>
+            <a:pPr algn="ctr"/>
+            <a:endParaRPr lang="en-US"/>
+          </a:p>
+        </p:txBody>
+      </p:sp>
+      <p:sp>
+        <p:nvSpPr>
+          <p:cNvPr id="17" name="Rectangle 16">
+            <a:extLst>
+              <a:ext uri="{FF2B5EF4-FFF2-40B4-BE49-F238E27FC236}">
+                <a16:creationId xmlns:a16="http://schemas.microsoft.com/office/drawing/2014/main" id="{EDC4EE06-D7B4-4FAC-A561-38A1C380232A}"/>
+              </a:ext>
+              <a:ext uri="{C183D7F6-B498-43B3-948B-1728B52AA6E4}">
+                <adec:decorative xmlns:adec="http://schemas.microsoft.com/office/drawing/2017/decorative" val="1"/>
+              </a:ext>
+            </a:extLst>
+          </p:cNvPr>
+          <p:cNvSpPr>
+            <a:spLocks noGrp="1" noRot="1" noChangeAspect="1" noMove="1" noResize="1" noEditPoints="1" noAdjustHandles="1" noChangeArrowheads="1" noChangeShapeType="1" noTextEdit="1"/>
+          </p:cNvSpPr>
+          <p:nvPr>
+            <p:extLst>
+              <p:ext uri="{386F3935-93C4-4BCD-93E2-E3B085C9AB24}">
+                <p16:designElem xmlns:p16="http://schemas.microsoft.com/office/powerpoint/2015/main" val="1"/>
+              </p:ext>
+            </p:extLst>
+          </p:nvPr>
+        </p:nvSpPr>
+        <p:spPr>
+          <a:xfrm>
+            <a:off x="0" y="6494325"/>
+            <a:ext cx="365760" cy="365760"/>
+          </a:xfrm>
+          <a:prstGeom prst="rect">
+            <a:avLst/>
+          </a:prstGeom>
+          <a:solidFill>
+            <a:schemeClr val="tx1"/>
+          </a:solidFill>
+          <a:ln>
+            <a:noFill/>
+          </a:ln>
+        </p:spPr>
+        <p:style>
+          <a:lnRef idx="2">
+            <a:schemeClr val="accent1">
+              <a:shade val="50000"/>
+            </a:schemeClr>
+          </a:lnRef>
+          <a:fillRef idx="1">
+            <a:schemeClr val="accent1"/>
+          </a:fillRef>
+          <a:effectRef idx="0">
+            <a:schemeClr val="accent1"/>
+          </a:effectRef>
+          <a:fontRef idx="minor">
+            <a:schemeClr val="lt1"/>
+          </a:fontRef>
+        </p:style>
+        <p:txBody>
+          <a:bodyPr rtlCol="0" anchor="ctr"/>
+          <a:lstStyle/>
+          <a:p>
+            <a:pPr algn="ctr"/>
+            <a:endParaRPr lang="en-US"/>
+          </a:p>
+        </p:txBody>
+      </p:sp>
+      <p:sp>
+        <p:nvSpPr>
+          <p:cNvPr id="19" name="Rectangle 18">
+            <a:extLst>
+              <a:ext uri="{FF2B5EF4-FFF2-40B4-BE49-F238E27FC236}">
+                <a16:creationId xmlns:a16="http://schemas.microsoft.com/office/drawing/2014/main" id="{9018D83B-903C-4782-B1BB-A45164A71F60}"/>
+              </a:ext>
+              <a:ext uri="{C183D7F6-B498-43B3-948B-1728B52AA6E4}">
+                <adec:decorative xmlns:adec="http://schemas.microsoft.com/office/drawing/2017/decorative" val="1"/>
+              </a:ext>
+            </a:extLst>
+          </p:cNvPr>
+          <p:cNvSpPr>
+            <a:spLocks noGrp="1" noRot="1" noChangeAspect="1" noMove="1" noResize="1" noEditPoints="1" noAdjustHandles="1" noChangeArrowheads="1" noChangeShapeType="1" noTextEdit="1"/>
+          </p:cNvSpPr>
+          <p:nvPr>
+            <p:extLst>
+              <p:ext uri="{386F3935-93C4-4BCD-93E2-E3B085C9AB24}">
+                <p16:designElem xmlns:p16="http://schemas.microsoft.com/office/powerpoint/2015/main" val="1"/>
+              </p:ext>
+            </p:extLst>
+          </p:nvPr>
+        </p:nvSpPr>
+        <p:spPr>
+          <a:xfrm>
+            <a:off x="11826240" y="6494325"/>
+            <a:ext cx="365760" cy="365760"/>
+          </a:xfrm>
+          <a:prstGeom prst="rect">
+            <a:avLst/>
+          </a:prstGeom>
+          <a:solidFill>
+            <a:schemeClr val="tx1"/>
+          </a:solidFill>
+          <a:ln>
+            <a:noFill/>
+          </a:ln>
+        </p:spPr>
+        <p:style>
+          <a:lnRef idx="2">
+            <a:schemeClr val="accent1">
+              <a:shade val="50000"/>
+            </a:schemeClr>
+          </a:lnRef>
+          <a:fillRef idx="1">
+            <a:schemeClr val="accent1"/>
+          </a:fillRef>
+          <a:effectRef idx="0">
+            <a:schemeClr val="accent1"/>
+          </a:effectRef>
+          <a:fontRef idx="minor">
+            <a:schemeClr val="lt1"/>
+          </a:fontRef>
+        </p:style>
+        <p:txBody>
+          <a:bodyPr rtlCol="0" anchor="ctr"/>
+          <a:lstStyle/>
+          <a:p>
+            <a:pPr algn="ctr"/>
+            <a:endParaRPr lang="en-US"/>
+          </a:p>
+        </p:txBody>
+      </p:sp>
+      <p:sp>
+        <p:nvSpPr>
+          <p:cNvPr id="21" name="Rectangle 20">
+            <a:extLst>
+              <a:ext uri="{FF2B5EF4-FFF2-40B4-BE49-F238E27FC236}">
+                <a16:creationId xmlns:a16="http://schemas.microsoft.com/office/drawing/2014/main" id="{8785589A-A5AC-409A-B2A2-24D871B4CEF0}"/>
+              </a:ext>
+              <a:ext uri="{C183D7F6-B498-43B3-948B-1728B52AA6E4}">
+                <adec:decorative xmlns:adec="http://schemas.microsoft.com/office/drawing/2017/decorative" val="1"/>
+              </a:ext>
+            </a:extLst>
+          </p:cNvPr>
+          <p:cNvSpPr>
+            <a:spLocks noGrp="1" noRot="1" noChangeAspect="1" noMove="1" noResize="1" noEditPoints="1" noAdjustHandles="1" noChangeArrowheads="1" noChangeShapeType="1" noTextEdit="1"/>
+          </p:cNvSpPr>
+          <p:nvPr>
+            <p:extLst>
+              <p:ext uri="{386F3935-93C4-4BCD-93E2-E3B085C9AB24}">
+                <p16:designElem xmlns:p16="http://schemas.microsoft.com/office/powerpoint/2015/main" val="1"/>
+              </p:ext>
+            </p:extLst>
+          </p:nvPr>
+        </p:nvSpPr>
+        <p:spPr>
+          <a:xfrm>
+            <a:off x="160867" y="158782"/>
+            <a:ext cx="11870265" cy="6537850"/>
+          </a:xfrm>
+          <a:prstGeom prst="rect">
+            <a:avLst/>
+          </a:prstGeom>
+          <a:solidFill>
+            <a:srgbClr val="FFFFFF"/>
+          </a:solidFill>
+          <a:ln>
+            <a:noFill/>
+          </a:ln>
+        </p:spPr>
+        <p:style>
+          <a:lnRef idx="2">
+            <a:schemeClr val="accent1">
+              <a:shade val="50000"/>
+            </a:schemeClr>
+          </a:lnRef>
+          <a:fillRef idx="1">
+            <a:schemeClr val="accent1"/>
+          </a:fillRef>
+          <a:effectRef idx="0">
+            <a:schemeClr val="accent1"/>
+          </a:effectRef>
+          <a:fontRef idx="minor">
+            <a:schemeClr val="lt1"/>
+          </a:fontRef>
+        </p:style>
+        <p:txBody>
+          <a:bodyPr rtlCol="0" anchor="ctr"/>
+          <a:lstStyle/>
+          <a:p>
+            <a:pPr algn="ctr"/>
+            <a:endParaRPr lang="en-US"/>
+          </a:p>
+        </p:txBody>
+      </p:sp>
+      <p:pic>
+        <p:nvPicPr>
+          <p:cNvPr id="4" name="Content Placeholder 3"/>
+          <p:cNvPicPr>
+            <a:picLocks noGrp="1" noChangeAspect="1"/>
+          </p:cNvPicPr>
           <p:nvPr>
             <p:ph idx="1"/>
           </p:nvPr>
-        </p:nvSpPr>
-        <p:spPr>
-          <a:xfrm>
-            <a:off x="1253066" y="1528233"/>
-            <a:ext cx="9746627" cy="1631826"/>
-          </a:xfrm>
-        </p:spPr>
-        <p:txBody>
-          <a:bodyPr/>
-          <a:lstStyle/>
-          <a:p>
-            <a:endParaRPr lang="en-US" dirty="0"/>
-          </a:p>
-          <a:p>
-            <a:endParaRPr lang="en-US" dirty="0"/>
-          </a:p>
-        </p:txBody>
-      </p:sp>
-      <p:pic>
-        <p:nvPicPr>
-          <p:cNvPr id="6" name="Picture 5"/>
-          <p:cNvPicPr>
-            <a:picLocks noChangeAspect="1"/>
-          </p:cNvPicPr>
-          <p:nvPr/>
         </p:nvPicPr>
         <p:blipFill>
           <a:blip r:embed="rId2">
@@ -14241,122 +14492,18 @@
         </p:blipFill>
         <p:spPr>
           <a:xfrm>
-            <a:off x="361577" y="2292567"/>
-            <a:ext cx="6333066" cy="4091300"/>
+            <a:off x="1510550" y="480515"/>
+            <a:ext cx="9170898" cy="5892302"/>
           </a:xfrm>
           <a:prstGeom prst="rect">
             <a:avLst/>
           </a:prstGeom>
         </p:spPr>
       </p:pic>
-      <p:pic>
-        <p:nvPicPr>
-          <p:cNvPr id="7" name="Picture 6"/>
-          <p:cNvPicPr>
-            <a:picLocks noChangeAspect="1"/>
-          </p:cNvPicPr>
-          <p:nvPr/>
-        </p:nvPicPr>
-        <p:blipFill>
-          <a:blip r:embed="rId3">
-            <a:extLst>
-              <a:ext uri="{28A0092B-C50C-407E-A947-70E740481C1C}">
-                <a14:useLocalDpi xmlns:a14="http://schemas.microsoft.com/office/drawing/2010/main" val="0"/>
-              </a:ext>
-            </a:extLst>
-          </a:blip>
-          <a:stretch>
-            <a:fillRect/>
-          </a:stretch>
-        </p:blipFill>
-        <p:spPr>
-          <a:xfrm>
-            <a:off x="6694643" y="2378265"/>
-            <a:ext cx="5147734" cy="4103217"/>
-          </a:xfrm>
-          <a:prstGeom prst="rect">
-            <a:avLst/>
-          </a:prstGeom>
-        </p:spPr>
-      </p:pic>
-      <p:sp>
-        <p:nvSpPr>
-          <p:cNvPr id="4" name="TextBox 3"/>
-          <p:cNvSpPr txBox="1"/>
-          <p:nvPr/>
-        </p:nvSpPr>
-        <p:spPr>
-          <a:xfrm>
-            <a:off x="1102660" y="1726809"/>
-            <a:ext cx="4410634" cy="415498"/>
-          </a:xfrm>
-          <a:prstGeom prst="rect">
-            <a:avLst/>
-          </a:prstGeom>
-          <a:noFill/>
-        </p:spPr>
-        <p:txBody>
-          <a:bodyPr wrap="square" rtlCol="0">
-            <a:spAutoFit/>
-          </a:bodyPr>
-          <a:lstStyle/>
-          <a:p>
-            <a:pPr marL="285750" indent="-285750">
-              <a:buFont typeface="Wingdings" charset="2"/>
-              <a:buChar char="§"/>
-            </a:pPr>
-            <a:r>
-              <a:rPr lang="en-US" sz="2100" dirty="0"/>
-              <a:t>Correlation </a:t>
-            </a:r>
-            <a:r>
-              <a:rPr lang="en-US" sz="2100"/>
-              <a:t>between variables</a:t>
-            </a:r>
-            <a:endParaRPr lang="en-US" sz="2100" dirty="0"/>
-          </a:p>
-        </p:txBody>
-      </p:sp>
-      <p:sp>
-        <p:nvSpPr>
-          <p:cNvPr id="5" name="TextBox 4"/>
-          <p:cNvSpPr txBox="1"/>
-          <p:nvPr/>
-        </p:nvSpPr>
-        <p:spPr>
-          <a:xfrm>
-            <a:off x="7386919" y="1731934"/>
-            <a:ext cx="2689411" cy="646331"/>
-          </a:xfrm>
-          <a:prstGeom prst="rect">
-            <a:avLst/>
-          </a:prstGeom>
-          <a:noFill/>
-        </p:spPr>
-        <p:txBody>
-          <a:bodyPr wrap="square" rtlCol="0">
-            <a:spAutoFit/>
-          </a:bodyPr>
-          <a:lstStyle/>
-          <a:p>
-            <a:pPr marL="285750" indent="-285750">
-              <a:buFont typeface="Wingdings" charset="2"/>
-              <a:buChar char="§"/>
-            </a:pPr>
-            <a:r>
-              <a:rPr lang="en-US" dirty="0"/>
-              <a:t>Pair plot </a:t>
-            </a:r>
-          </a:p>
-          <a:p>
-            <a:endParaRPr lang="en-US" dirty="0"/>
-          </a:p>
-        </p:txBody>
-      </p:sp>
     </p:spTree>
     <p:extLst>
       <p:ext uri="{BB962C8B-B14F-4D97-AF65-F5344CB8AC3E}">
-        <p14:creationId xmlns:p14="http://schemas.microsoft.com/office/powerpoint/2010/main" val="1028802717"/>
+        <p14:creationId xmlns:p14="http://schemas.microsoft.com/office/powerpoint/2010/main" val="3604934645"/>
       </p:ext>
     </p:extLst>
   </p:cSld>
@@ -14385,6 +14532,224 @@
       </p:grpSpPr>
       <p:sp>
         <p:nvSpPr>
+          <p:cNvPr id="2" name="Title 1"/>
+          <p:cNvSpPr>
+            <a:spLocks noGrp="1"/>
+          </p:cNvSpPr>
+          <p:nvPr>
+            <p:ph type="title"/>
+          </p:nvPr>
+        </p:nvSpPr>
+        <p:spPr>
+          <a:xfrm>
+            <a:off x="1574800" y="474133"/>
+            <a:ext cx="9279467" cy="1054100"/>
+          </a:xfrm>
+        </p:spPr>
+        <p:txBody>
+          <a:bodyPr/>
+          <a:lstStyle/>
+          <a:p>
+            <a:r>
+              <a:rPr lang="en-US" dirty="0"/>
+              <a:t>                     Modelling Attempt</a:t>
+            </a:r>
+          </a:p>
+        </p:txBody>
+      </p:sp>
+      <p:sp>
+        <p:nvSpPr>
+          <p:cNvPr id="3" name="Content Placeholder 2"/>
+          <p:cNvSpPr>
+            <a:spLocks noGrp="1"/>
+          </p:cNvSpPr>
+          <p:nvPr>
+            <p:ph idx="1"/>
+          </p:nvPr>
+        </p:nvSpPr>
+        <p:spPr>
+          <a:xfrm>
+            <a:off x="1253066" y="1528233"/>
+            <a:ext cx="9746627" cy="1631826"/>
+          </a:xfrm>
+        </p:spPr>
+        <p:txBody>
+          <a:bodyPr/>
+          <a:lstStyle/>
+          <a:p>
+            <a:endParaRPr lang="en-US" dirty="0"/>
+          </a:p>
+          <a:p>
+            <a:endParaRPr lang="en-US" dirty="0"/>
+          </a:p>
+        </p:txBody>
+      </p:sp>
+      <p:pic>
+        <p:nvPicPr>
+          <p:cNvPr id="6" name="Picture 5"/>
+          <p:cNvPicPr>
+            <a:picLocks noChangeAspect="1"/>
+          </p:cNvPicPr>
+          <p:nvPr/>
+        </p:nvPicPr>
+        <p:blipFill>
+          <a:blip r:embed="rId2">
+            <a:extLst>
+              <a:ext uri="{28A0092B-C50C-407E-A947-70E740481C1C}">
+                <a14:useLocalDpi xmlns:a14="http://schemas.microsoft.com/office/drawing/2010/main" val="0"/>
+              </a:ext>
+            </a:extLst>
+          </a:blip>
+          <a:stretch>
+            <a:fillRect/>
+          </a:stretch>
+        </p:blipFill>
+        <p:spPr>
+          <a:xfrm>
+            <a:off x="361577" y="2292567"/>
+            <a:ext cx="6333066" cy="4091300"/>
+          </a:xfrm>
+          <a:prstGeom prst="rect">
+            <a:avLst/>
+          </a:prstGeom>
+        </p:spPr>
+      </p:pic>
+      <p:pic>
+        <p:nvPicPr>
+          <p:cNvPr id="7" name="Picture 6"/>
+          <p:cNvPicPr>
+            <a:picLocks noChangeAspect="1"/>
+          </p:cNvPicPr>
+          <p:nvPr/>
+        </p:nvPicPr>
+        <p:blipFill>
+          <a:blip r:embed="rId3">
+            <a:extLst>
+              <a:ext uri="{28A0092B-C50C-407E-A947-70E740481C1C}">
+                <a14:useLocalDpi xmlns:a14="http://schemas.microsoft.com/office/drawing/2010/main" val="0"/>
+              </a:ext>
+            </a:extLst>
+          </a:blip>
+          <a:stretch>
+            <a:fillRect/>
+          </a:stretch>
+        </p:blipFill>
+        <p:spPr>
+          <a:xfrm>
+            <a:off x="6694643" y="2378265"/>
+            <a:ext cx="5147734" cy="4103217"/>
+          </a:xfrm>
+          <a:prstGeom prst="rect">
+            <a:avLst/>
+          </a:prstGeom>
+        </p:spPr>
+      </p:pic>
+      <p:sp>
+        <p:nvSpPr>
+          <p:cNvPr id="4" name="TextBox 3"/>
+          <p:cNvSpPr txBox="1"/>
+          <p:nvPr/>
+        </p:nvSpPr>
+        <p:spPr>
+          <a:xfrm>
+            <a:off x="1102660" y="1726809"/>
+            <a:ext cx="4410634" cy="415498"/>
+          </a:xfrm>
+          <a:prstGeom prst="rect">
+            <a:avLst/>
+          </a:prstGeom>
+          <a:noFill/>
+        </p:spPr>
+        <p:txBody>
+          <a:bodyPr wrap="square" rtlCol="0">
+            <a:spAutoFit/>
+          </a:bodyPr>
+          <a:lstStyle/>
+          <a:p>
+            <a:pPr marL="285750" indent="-285750">
+              <a:buFont typeface="Wingdings" charset="2"/>
+              <a:buChar char="§"/>
+            </a:pPr>
+            <a:r>
+              <a:rPr lang="en-US" sz="2100" dirty="0"/>
+              <a:t>Correlation </a:t>
+            </a:r>
+            <a:r>
+              <a:rPr lang="en-US" sz="2100"/>
+              <a:t>between variables</a:t>
+            </a:r>
+            <a:endParaRPr lang="en-US" sz="2100" dirty="0"/>
+          </a:p>
+        </p:txBody>
+      </p:sp>
+      <p:sp>
+        <p:nvSpPr>
+          <p:cNvPr id="5" name="TextBox 4"/>
+          <p:cNvSpPr txBox="1"/>
+          <p:nvPr/>
+        </p:nvSpPr>
+        <p:spPr>
+          <a:xfrm>
+            <a:off x="7386919" y="1731934"/>
+            <a:ext cx="2689411" cy="646331"/>
+          </a:xfrm>
+          <a:prstGeom prst="rect">
+            <a:avLst/>
+          </a:prstGeom>
+          <a:noFill/>
+        </p:spPr>
+        <p:txBody>
+          <a:bodyPr wrap="square" rtlCol="0">
+            <a:spAutoFit/>
+          </a:bodyPr>
+          <a:lstStyle/>
+          <a:p>
+            <a:pPr marL="285750" indent="-285750">
+              <a:buFont typeface="Wingdings" charset="2"/>
+              <a:buChar char="§"/>
+            </a:pPr>
+            <a:r>
+              <a:rPr lang="en-US" dirty="0"/>
+              <a:t>Pair plot </a:t>
+            </a:r>
+          </a:p>
+          <a:p>
+            <a:endParaRPr lang="en-US" dirty="0"/>
+          </a:p>
+        </p:txBody>
+      </p:sp>
+    </p:spTree>
+    <p:extLst>
+      <p:ext uri="{BB962C8B-B14F-4D97-AF65-F5344CB8AC3E}">
+        <p14:creationId xmlns:p14="http://schemas.microsoft.com/office/powerpoint/2010/main" val="1028802717"/>
+      </p:ext>
+    </p:extLst>
+  </p:cSld>
+  <p:clrMapOvr>
+    <a:masterClrMapping/>
+  </p:clrMapOvr>
+</p:sld>
+</file>
+
+<file path=ppt/slides/slide28.xml><?xml version="1.0" encoding="utf-8"?>
+<p:sld xmlns:a="http://schemas.openxmlformats.org/drawingml/2006/main" xmlns:r="http://schemas.openxmlformats.org/officeDocument/2006/relationships" xmlns:p="http://schemas.openxmlformats.org/presentationml/2006/main">
+  <p:cSld>
+    <p:spTree>
+      <p:nvGrpSpPr>
+        <p:cNvPr id="1" name=""/>
+        <p:cNvGrpSpPr/>
+        <p:nvPr/>
+      </p:nvGrpSpPr>
+      <p:grpSpPr>
+        <a:xfrm>
+          <a:off x="0" y="0"/>
+          <a:ext cx="0" cy="0"/>
+          <a:chOff x="0" y="0"/>
+          <a:chExt cx="0" cy="0"/>
+        </a:xfrm>
+      </p:grpSpPr>
+      <p:sp>
+        <p:nvSpPr>
           <p:cNvPr id="2" name="Title 1">
             <a:extLst>
               <a:ext uri="{FF2B5EF4-FFF2-40B4-BE49-F238E27FC236}">
@@ -14482,7 +14847,7 @@
 </p:sld>
 </file>
 
-<file path=ppt/slides/slide28.xml><?xml version="1.0" encoding="utf-8"?>
+<file path=ppt/slides/slide29.xml><?xml version="1.0" encoding="utf-8"?>
 <p:sld xmlns:a="http://schemas.openxmlformats.org/drawingml/2006/main" xmlns:r="http://schemas.openxmlformats.org/officeDocument/2006/relationships" xmlns:p="http://schemas.openxmlformats.org/presentationml/2006/main">
   <p:cSld>
     <p:spTree>
